--- a/slides/Unit12_Loop Invariant.pptx
+++ b/slides/Unit12_Loop Invariant.pptx
@@ -796,7 +796,7 @@
   <pc:docChgLst>
     <pc:chgData name="Zhao Jin" userId="cd05a825-544c-438a-9ba1-08e63db50b47" providerId="ADAL" clId="{EAAD95CE-23CF-4DA1-9648-68B29FAF1C2E}"/>
     <pc:docChg chg="modSld">
-      <pc:chgData name="Zhao Jin" userId="cd05a825-544c-438a-9ba1-08e63db50b47" providerId="ADAL" clId="{EAAD95CE-23CF-4DA1-9648-68B29FAF1C2E}" dt="2024-01-31T05:35:16.288" v="45" actId="20577"/>
+      <pc:chgData name="Zhao Jin" userId="cd05a825-544c-438a-9ba1-08e63db50b47" providerId="ADAL" clId="{EAAD95CE-23CF-4DA1-9648-68B29FAF1C2E}" dt="2024-02-13T00:28:45.885" v="46" actId="13926"/>
       <pc:docMkLst>
         <pc:docMk/>
       </pc:docMkLst>
@@ -835,6 +835,21 @@
             <pc:docMk/>
             <pc:sldMk cId="1067695719" sldId="526"/>
             <ac:spMk id="13" creationId="{00000000-0000-0000-0000-000000000000}"/>
+          </ac:spMkLst>
+        </pc:spChg>
+      </pc:sldChg>
+      <pc:sldChg chg="modSp mod">
+        <pc:chgData name="Zhao Jin" userId="cd05a825-544c-438a-9ba1-08e63db50b47" providerId="ADAL" clId="{EAAD95CE-23CF-4DA1-9648-68B29FAF1C2E}" dt="2024-02-13T00:28:45.885" v="46" actId="13926"/>
+        <pc:sldMkLst>
+          <pc:docMk/>
+          <pc:sldMk cId="2536104531" sldId="558"/>
+        </pc:sldMkLst>
+        <pc:spChg chg="mod">
+          <ac:chgData name="Zhao Jin" userId="cd05a825-544c-438a-9ba1-08e63db50b47" providerId="ADAL" clId="{EAAD95CE-23CF-4DA1-9648-68B29FAF1C2E}" dt="2024-02-13T00:28:45.885" v="46" actId="13926"/>
+          <ac:spMkLst>
+            <pc:docMk/>
+            <pc:sldMk cId="2536104531" sldId="558"/>
+            <ac:spMk id="16" creationId="{D2096CE0-F283-4186-90FF-7C54FF151885}"/>
           </ac:spMkLst>
         </pc:spChg>
       </pc:sldChg>
@@ -3587,7 +3602,7 @@
               <a:pPr>
                 <a:defRPr/>
               </a:pPr>
-              <a:t>1/31/2024</a:t>
+              <a:t>2/13/2024</a:t>
             </a:fld>
             <a:endParaRPr lang="en-US" dirty="0"/>
           </a:p>
@@ -11109,6 +11124,9 @@
                   </a:schemeClr>
                 </a:solidFill>
                 <a:effectLst/>
+                <a:highlight>
+                  <a:srgbClr val="FFFF00"/>
+                </a:highlight>
                 <a:latin typeface="Courier New" panose="02070309020205020404" pitchFamily="49" charset="0"/>
                 <a:cs typeface="Courier New" panose="02070309020205020404" pitchFamily="49" charset="0"/>
               </a:rPr>
